--- a/Documents/chapter-5/images/CNN.pptx
+++ b/Documents/chapter-5/images/CNN.pptx
@@ -104,6 +104,11 @@
       </a:defRPr>
     </a:lvl9pPr>
   </p:defaultTextStyle>
+  <p:extLst>
+    <p:ext uri="{EFAFB233-063F-42B5-8137-9DF3F51BA10A}">
+      <p15:sldGuideLst xmlns:p15="http://schemas.microsoft.com/office/powerpoint/2012/main"/>
+    </p:ext>
+  </p:extLst>
 </p:presentation>
 </file>
 
@@ -238,7 +243,7 @@
           <a:p>
             <a:fld id="{C3E7F810-5A03-314D-9AC1-8AC004E64740}" type="datetimeFigureOut">
               <a:rPr kumimoji="1" lang="zh-CN" altLang="en-US" smtClean="0"/>
-              <a:t>2018/10/23</a:t>
+              <a:t>2018/11/5</a:t>
             </a:fld>
             <a:endParaRPr kumimoji="1" lang="zh-CN" altLang="en-US"/>
           </a:p>
@@ -408,7 +413,7 @@
           <a:p>
             <a:fld id="{C3E7F810-5A03-314D-9AC1-8AC004E64740}" type="datetimeFigureOut">
               <a:rPr kumimoji="1" lang="zh-CN" altLang="en-US" smtClean="0"/>
-              <a:t>2018/10/23</a:t>
+              <a:t>2018/11/5</a:t>
             </a:fld>
             <a:endParaRPr kumimoji="1" lang="zh-CN" altLang="en-US"/>
           </a:p>
@@ -588,7 +593,7 @@
           <a:p>
             <a:fld id="{C3E7F810-5A03-314D-9AC1-8AC004E64740}" type="datetimeFigureOut">
               <a:rPr kumimoji="1" lang="zh-CN" altLang="en-US" smtClean="0"/>
-              <a:t>2018/10/23</a:t>
+              <a:t>2018/11/5</a:t>
             </a:fld>
             <a:endParaRPr kumimoji="1" lang="zh-CN" altLang="en-US"/>
           </a:p>
@@ -758,7 +763,7 @@
           <a:p>
             <a:fld id="{C3E7F810-5A03-314D-9AC1-8AC004E64740}" type="datetimeFigureOut">
               <a:rPr kumimoji="1" lang="zh-CN" altLang="en-US" smtClean="0"/>
-              <a:t>2018/10/23</a:t>
+              <a:t>2018/11/5</a:t>
             </a:fld>
             <a:endParaRPr kumimoji="1" lang="zh-CN" altLang="en-US"/>
           </a:p>
@@ -1004,7 +1009,7 @@
           <a:p>
             <a:fld id="{C3E7F810-5A03-314D-9AC1-8AC004E64740}" type="datetimeFigureOut">
               <a:rPr kumimoji="1" lang="zh-CN" altLang="en-US" smtClean="0"/>
-              <a:t>2018/10/23</a:t>
+              <a:t>2018/11/5</a:t>
             </a:fld>
             <a:endParaRPr kumimoji="1" lang="zh-CN" altLang="en-US"/>
           </a:p>
@@ -1236,7 +1241,7 @@
           <a:p>
             <a:fld id="{C3E7F810-5A03-314D-9AC1-8AC004E64740}" type="datetimeFigureOut">
               <a:rPr kumimoji="1" lang="zh-CN" altLang="en-US" smtClean="0"/>
-              <a:t>2018/10/23</a:t>
+              <a:t>2018/11/5</a:t>
             </a:fld>
             <a:endParaRPr kumimoji="1" lang="zh-CN" altLang="en-US"/>
           </a:p>
@@ -1603,7 +1608,7 @@
           <a:p>
             <a:fld id="{C3E7F810-5A03-314D-9AC1-8AC004E64740}" type="datetimeFigureOut">
               <a:rPr kumimoji="1" lang="zh-CN" altLang="en-US" smtClean="0"/>
-              <a:t>2018/10/23</a:t>
+              <a:t>2018/11/5</a:t>
             </a:fld>
             <a:endParaRPr kumimoji="1" lang="zh-CN" altLang="en-US"/>
           </a:p>
@@ -1721,7 +1726,7 @@
           <a:p>
             <a:fld id="{C3E7F810-5A03-314D-9AC1-8AC004E64740}" type="datetimeFigureOut">
               <a:rPr kumimoji="1" lang="zh-CN" altLang="en-US" smtClean="0"/>
-              <a:t>2018/10/23</a:t>
+              <a:t>2018/11/5</a:t>
             </a:fld>
             <a:endParaRPr kumimoji="1" lang="zh-CN" altLang="en-US"/>
           </a:p>
@@ -1816,7 +1821,7 @@
           <a:p>
             <a:fld id="{C3E7F810-5A03-314D-9AC1-8AC004E64740}" type="datetimeFigureOut">
               <a:rPr kumimoji="1" lang="zh-CN" altLang="en-US" smtClean="0"/>
-              <a:t>2018/10/23</a:t>
+              <a:t>2018/11/5</a:t>
             </a:fld>
             <a:endParaRPr kumimoji="1" lang="zh-CN" altLang="en-US"/>
           </a:p>
@@ -2093,7 +2098,7 @@
           <a:p>
             <a:fld id="{C3E7F810-5A03-314D-9AC1-8AC004E64740}" type="datetimeFigureOut">
               <a:rPr kumimoji="1" lang="zh-CN" altLang="en-US" smtClean="0"/>
-              <a:t>2018/10/23</a:t>
+              <a:t>2018/11/5</a:t>
             </a:fld>
             <a:endParaRPr kumimoji="1" lang="zh-CN" altLang="en-US"/>
           </a:p>
@@ -2346,7 +2351,7 @@
           <a:p>
             <a:fld id="{C3E7F810-5A03-314D-9AC1-8AC004E64740}" type="datetimeFigureOut">
               <a:rPr kumimoji="1" lang="zh-CN" altLang="en-US" smtClean="0"/>
-              <a:t>2018/10/23</a:t>
+              <a:t>2018/11/5</a:t>
             </a:fld>
             <a:endParaRPr kumimoji="1" lang="zh-CN" altLang="en-US"/>
           </a:p>
@@ -2559,7 +2564,7 @@
           <a:p>
             <a:fld id="{C3E7F810-5A03-314D-9AC1-8AC004E64740}" type="datetimeFigureOut">
               <a:rPr kumimoji="1" lang="zh-CN" altLang="en-US" smtClean="0"/>
-              <a:t>2018/10/23</a:t>
+              <a:t>2018/11/5</a:t>
             </a:fld>
             <a:endParaRPr kumimoji="1" lang="zh-CN" altLang="en-US"/>
           </a:p>
@@ -2972,7 +2977,7 @@
         </p:nvSpPr>
         <p:spPr>
           <a:xfrm>
-            <a:off x="1325543" y="3098040"/>
+            <a:off x="454685" y="3098040"/>
             <a:ext cx="1241947" cy="2600059"/>
           </a:xfrm>
           <a:prstGeom prst="cube">
@@ -3020,7 +3025,7 @@
         </p:nvSpPr>
         <p:spPr>
           <a:xfrm>
-            <a:off x="2114720" y="3739486"/>
+            <a:off x="1243862" y="3739486"/>
             <a:ext cx="629161" cy="1317170"/>
           </a:xfrm>
           <a:prstGeom prst="cube">
@@ -3068,7 +3073,7 @@
         </p:nvSpPr>
         <p:spPr>
           <a:xfrm>
-            <a:off x="2607403" y="3739486"/>
+            <a:off x="1736545" y="3739486"/>
             <a:ext cx="629161" cy="1317170"/>
           </a:xfrm>
           <a:prstGeom prst="cube">
@@ -3116,7 +3121,7 @@
         </p:nvSpPr>
         <p:spPr>
           <a:xfrm>
-            <a:off x="3050273" y="3098041"/>
+            <a:off x="2179415" y="3098041"/>
             <a:ext cx="1241947" cy="2600059"/>
           </a:xfrm>
           <a:prstGeom prst="cube">
@@ -3164,7 +3169,7 @@
         </p:nvSpPr>
         <p:spPr>
           <a:xfrm>
-            <a:off x="3868457" y="3739485"/>
+            <a:off x="2999174" y="3763978"/>
             <a:ext cx="629161" cy="1317170"/>
           </a:xfrm>
           <a:prstGeom prst="cube">
@@ -3212,7 +3217,7 @@
         </p:nvSpPr>
         <p:spPr>
           <a:xfrm>
-            <a:off x="4262192" y="3098041"/>
+            <a:off x="3391334" y="3098041"/>
             <a:ext cx="1241947" cy="2600059"/>
           </a:xfrm>
           <a:prstGeom prst="cube">
@@ -3260,7 +3265,7 @@
         </p:nvSpPr>
         <p:spPr>
           <a:xfrm>
-            <a:off x="5126097" y="3739485"/>
+            <a:off x="4255239" y="3739485"/>
             <a:ext cx="629161" cy="1317170"/>
           </a:xfrm>
           <a:prstGeom prst="cube">
@@ -3308,7 +3313,7 @@
         </p:nvSpPr>
         <p:spPr>
           <a:xfrm>
-            <a:off x="5511644" y="3098040"/>
+            <a:off x="4640786" y="3098040"/>
             <a:ext cx="1241947" cy="2600059"/>
           </a:xfrm>
           <a:prstGeom prst="cube">
@@ -3356,7 +3361,7 @@
         </p:nvSpPr>
         <p:spPr>
           <a:xfrm>
-            <a:off x="6334599" y="3739485"/>
+            <a:off x="5463741" y="3739485"/>
             <a:ext cx="629161" cy="1317170"/>
           </a:xfrm>
           <a:prstGeom prst="cube">
@@ -3404,7 +3409,7 @@
         </p:nvSpPr>
         <p:spPr>
           <a:xfrm>
-            <a:off x="6827282" y="3739485"/>
+            <a:off x="5956424" y="3739485"/>
             <a:ext cx="629161" cy="1317170"/>
           </a:xfrm>
           <a:prstGeom prst="cube">
@@ -3452,7 +3457,7 @@
         </p:nvSpPr>
         <p:spPr>
           <a:xfrm>
-            <a:off x="7514444" y="2374712"/>
+            <a:off x="6612396" y="2329875"/>
             <a:ext cx="843098" cy="3746469"/>
           </a:xfrm>
           <a:prstGeom prst="cube">
@@ -3500,7 +3505,7 @@
         </p:nvGrpSpPr>
         <p:grpSpPr>
           <a:xfrm>
-            <a:off x="9359608" y="1854656"/>
+            <a:off x="8196154" y="1764253"/>
             <a:ext cx="749243" cy="4786579"/>
             <a:chOff x="9512490" y="934875"/>
             <a:chExt cx="749243" cy="4786579"/>
@@ -3791,7 +3796,7 @@
         </p:nvSpPr>
         <p:spPr>
           <a:xfrm rot="16200000">
-            <a:off x="1026127" y="4698938"/>
+            <a:off x="155269" y="4698938"/>
             <a:ext cx="995785" cy="369332"/>
           </a:xfrm>
           <a:prstGeom prst="rect">
@@ -3821,7 +3826,7 @@
         </p:nvSpPr>
         <p:spPr>
           <a:xfrm rot="16200000">
-            <a:off x="1887235" y="4386957"/>
+            <a:off x="1016377" y="4386957"/>
             <a:ext cx="752129" cy="369332"/>
           </a:xfrm>
           <a:prstGeom prst="rect">
@@ -3851,7 +3856,7 @@
         </p:nvSpPr>
         <p:spPr>
           <a:xfrm rot="16200000">
-            <a:off x="2491344" y="4386957"/>
+            <a:off x="1620486" y="4386957"/>
             <a:ext cx="529312" cy="369332"/>
           </a:xfrm>
           <a:prstGeom prst="rect">
@@ -3881,7 +3886,7 @@
         </p:nvSpPr>
         <p:spPr>
           <a:xfrm rot="16200000">
-            <a:off x="2709963" y="4651612"/>
+            <a:off x="1839105" y="4651612"/>
             <a:ext cx="995785" cy="369332"/>
           </a:xfrm>
           <a:prstGeom prst="rect">
@@ -3911,7 +3916,7 @@
         </p:nvSpPr>
         <p:spPr>
           <a:xfrm rot="16200000">
-            <a:off x="3640297" y="4386958"/>
+            <a:off x="2769439" y="4386958"/>
             <a:ext cx="752129" cy="369332"/>
           </a:xfrm>
           <a:prstGeom prst="rect">
@@ -3941,7 +3946,7 @@
         </p:nvSpPr>
         <p:spPr>
           <a:xfrm rot="16200000">
-            <a:off x="3956197" y="4694818"/>
+            <a:off x="3085339" y="4694818"/>
             <a:ext cx="995785" cy="369332"/>
           </a:xfrm>
           <a:prstGeom prst="rect">
@@ -3971,7 +3976,7 @@
         </p:nvSpPr>
         <p:spPr>
           <a:xfrm rot="16200000">
-            <a:off x="4892913" y="4386957"/>
+            <a:off x="4022055" y="4386957"/>
             <a:ext cx="752129" cy="369332"/>
           </a:xfrm>
           <a:prstGeom prst="rect">
@@ -4001,7 +4006,7 @@
         </p:nvSpPr>
         <p:spPr>
           <a:xfrm rot="16200000">
-            <a:off x="6021810" y="4386957"/>
+            <a:off x="5150952" y="4386957"/>
             <a:ext cx="873957" cy="369332"/>
           </a:xfrm>
           <a:prstGeom prst="rect">
@@ -4031,7 +4036,7 @@
         </p:nvSpPr>
         <p:spPr>
           <a:xfrm rot="16200000">
-            <a:off x="5226995" y="4651611"/>
+            <a:off x="4356137" y="4651611"/>
             <a:ext cx="995785" cy="369332"/>
           </a:xfrm>
           <a:prstGeom prst="rect">
@@ -4061,7 +4066,7 @@
         </p:nvSpPr>
         <p:spPr>
           <a:xfrm rot="16200000">
-            <a:off x="6710026" y="4359284"/>
+            <a:off x="5839168" y="4359284"/>
             <a:ext cx="529312" cy="369332"/>
           </a:xfrm>
           <a:prstGeom prst="rect">
@@ -4091,7 +4096,7 @@
         </p:nvSpPr>
         <p:spPr>
           <a:xfrm rot="16200000">
-            <a:off x="6997192" y="4166972"/>
+            <a:off x="6066553" y="4153717"/>
             <a:ext cx="1758815" cy="369332"/>
           </a:xfrm>
           <a:prstGeom prst="rect">
@@ -4121,8 +4126,8 @@
         </p:nvSpPr>
         <p:spPr>
           <a:xfrm rot="16200000">
-            <a:off x="8712212" y="285627"/>
-            <a:ext cx="343552" cy="2397899"/>
+            <a:off x="7618178" y="639948"/>
+            <a:ext cx="356050" cy="1700485"/>
           </a:xfrm>
           <a:prstGeom prst="rightBrace">
             <a:avLst>
@@ -4162,8 +4167,8 @@
         </p:nvSpPr>
         <p:spPr>
           <a:xfrm flipH="1">
-            <a:off x="8714433" y="845513"/>
-            <a:ext cx="807568" cy="369332"/>
+            <a:off x="7644233" y="854101"/>
+            <a:ext cx="682549" cy="369332"/>
           </a:xfrm>
           <a:prstGeom prst="rect">
             <a:avLst/>
@@ -4192,7 +4197,7 @@
         </p:nvSpPr>
         <p:spPr>
           <a:xfrm flipH="1">
-            <a:off x="7532209" y="6261926"/>
+            <a:off x="6661351" y="6261926"/>
             <a:ext cx="807568" cy="369332"/>
           </a:xfrm>
           <a:prstGeom prst="rect">
@@ -4222,7 +4227,7 @@
         </p:nvSpPr>
         <p:spPr>
           <a:xfrm>
-            <a:off x="4424056" y="895308"/>
+            <a:off x="3553198" y="895308"/>
             <a:ext cx="545659" cy="541855"/>
           </a:xfrm>
           <a:prstGeom prst="cube">
@@ -4268,7 +4273,7 @@
         </p:nvSpPr>
         <p:spPr>
           <a:xfrm>
-            <a:off x="4424057" y="1523593"/>
+            <a:off x="3553199" y="1523593"/>
             <a:ext cx="545659" cy="541855"/>
           </a:xfrm>
           <a:prstGeom prst="cube">
@@ -4314,7 +4319,7 @@
         </p:nvSpPr>
         <p:spPr>
           <a:xfrm>
-            <a:off x="4409499" y="303658"/>
+            <a:off x="3538641" y="303658"/>
             <a:ext cx="545659" cy="541855"/>
           </a:xfrm>
           <a:prstGeom prst="cube">
@@ -4360,7 +4365,7 @@
         </p:nvSpPr>
         <p:spPr>
           <a:xfrm>
-            <a:off x="5004177" y="345980"/>
+            <a:off x="4133319" y="345980"/>
             <a:ext cx="1441420" cy="369332"/>
           </a:xfrm>
           <a:prstGeom prst="rect">
@@ -4390,7 +4395,7 @@
         </p:nvSpPr>
         <p:spPr>
           <a:xfrm>
-            <a:off x="4980558" y="1030179"/>
+            <a:off x="4109700" y="1030179"/>
             <a:ext cx="1745991" cy="369332"/>
           </a:xfrm>
           <a:prstGeom prst="rect">
@@ -4420,7 +4425,7 @@
         </p:nvSpPr>
         <p:spPr>
           <a:xfrm>
-            <a:off x="5004177" y="1579587"/>
+            <a:off x="4133319" y="1579587"/>
             <a:ext cx="1425390" cy="369332"/>
           </a:xfrm>
           <a:prstGeom prst="rect">
@@ -4439,6 +4444,184 @@
               <a:t>Max pooling</a:t>
             </a:r>
             <a:endParaRPr kumimoji="1" lang="zh-CN" altLang="en-US" dirty="0"/>
+          </a:p>
+        </p:txBody>
+      </p:sp>
+      <p:sp>
+        <p:nvSpPr>
+          <p:cNvPr id="40" name="文本框 39"/>
+          <p:cNvSpPr txBox="1"/>
+          <p:nvPr/>
+        </p:nvSpPr>
+        <p:spPr>
+          <a:xfrm>
+            <a:off x="9140873" y="1946824"/>
+            <a:ext cx="1321196" cy="369332"/>
+          </a:xfrm>
+          <a:prstGeom prst="rect">
+            <a:avLst/>
+          </a:prstGeom>
+          <a:noFill/>
+        </p:spPr>
+        <p:txBody>
+          <a:bodyPr wrap="none" rtlCol="0">
+            <a:spAutoFit/>
+          </a:bodyPr>
+          <a:lstStyle/>
+          <a:p>
+            <a:r>
+              <a:rPr kumimoji="1" lang="en-US" altLang="zh-CN" dirty="0" smtClean="0"/>
+              <a:t>adult males</a:t>
+            </a:r>
+          </a:p>
+        </p:txBody>
+      </p:sp>
+      <p:sp>
+        <p:nvSpPr>
+          <p:cNvPr id="50" name="文本框 49"/>
+          <p:cNvSpPr txBox="1"/>
+          <p:nvPr/>
+        </p:nvSpPr>
+        <p:spPr>
+          <a:xfrm>
+            <a:off x="9127489" y="2711473"/>
+            <a:ext cx="1675459" cy="369332"/>
+          </a:xfrm>
+          <a:prstGeom prst="rect">
+            <a:avLst/>
+          </a:prstGeom>
+          <a:noFill/>
+        </p:spPr>
+        <p:txBody>
+          <a:bodyPr wrap="none" rtlCol="0">
+            <a:spAutoFit/>
+          </a:bodyPr>
+          <a:lstStyle/>
+          <a:p>
+            <a:r>
+              <a:rPr kumimoji="1" lang="en-US" altLang="zh-CN" dirty="0" smtClean="0"/>
+              <a:t>subadult </a:t>
+            </a:r>
+            <a:r>
+              <a:rPr kumimoji="1" lang="en-US" altLang="zh-CN" dirty="0" smtClean="0"/>
+              <a:t>males</a:t>
+            </a:r>
+          </a:p>
+        </p:txBody>
+      </p:sp>
+      <p:sp>
+        <p:nvSpPr>
+          <p:cNvPr id="51" name="文本框 50"/>
+          <p:cNvSpPr txBox="1"/>
+          <p:nvPr/>
+        </p:nvSpPr>
+        <p:spPr>
+          <a:xfrm>
+            <a:off x="9140873" y="3554819"/>
+            <a:ext cx="1507144" cy="369332"/>
+          </a:xfrm>
+          <a:prstGeom prst="rect">
+            <a:avLst/>
+          </a:prstGeom>
+          <a:noFill/>
+        </p:spPr>
+        <p:txBody>
+          <a:bodyPr wrap="none" rtlCol="0">
+            <a:spAutoFit/>
+          </a:bodyPr>
+          <a:lstStyle/>
+          <a:p>
+            <a:r>
+              <a:rPr kumimoji="1" lang="en-US" altLang="zh-CN" dirty="0" smtClean="0"/>
+              <a:t>adult females</a:t>
+            </a:r>
+          </a:p>
+        </p:txBody>
+      </p:sp>
+      <p:sp>
+        <p:nvSpPr>
+          <p:cNvPr id="52" name="文本框 51"/>
+          <p:cNvSpPr txBox="1"/>
+          <p:nvPr/>
+        </p:nvSpPr>
+        <p:spPr>
+          <a:xfrm>
+            <a:off x="9171598" y="4338384"/>
+            <a:ext cx="1031051" cy="369332"/>
+          </a:xfrm>
+          <a:prstGeom prst="rect">
+            <a:avLst/>
+          </a:prstGeom>
+          <a:noFill/>
+        </p:spPr>
+        <p:txBody>
+          <a:bodyPr wrap="none" rtlCol="0">
+            <a:spAutoFit/>
+          </a:bodyPr>
+          <a:lstStyle/>
+          <a:p>
+            <a:r>
+              <a:rPr kumimoji="1" lang="en-US" altLang="zh-CN" dirty="0" smtClean="0"/>
+              <a:t>juveniles</a:t>
+            </a:r>
+          </a:p>
+        </p:txBody>
+      </p:sp>
+      <p:sp>
+        <p:nvSpPr>
+          <p:cNvPr id="53" name="文本框 52"/>
+          <p:cNvSpPr txBox="1"/>
+          <p:nvPr/>
+        </p:nvSpPr>
+        <p:spPr>
+          <a:xfrm>
+            <a:off x="9171777" y="5150544"/>
+            <a:ext cx="671979" cy="369332"/>
+          </a:xfrm>
+          <a:prstGeom prst="rect">
+            <a:avLst/>
+          </a:prstGeom>
+          <a:noFill/>
+        </p:spPr>
+        <p:txBody>
+          <a:bodyPr wrap="none" rtlCol="0">
+            <a:spAutoFit/>
+          </a:bodyPr>
+          <a:lstStyle/>
+          <a:p>
+            <a:r>
+              <a:rPr kumimoji="1" lang="en-US" altLang="zh-CN" dirty="0" smtClean="0"/>
+              <a:t>pups</a:t>
+            </a:r>
+          </a:p>
+        </p:txBody>
+      </p:sp>
+      <p:sp>
+        <p:nvSpPr>
+          <p:cNvPr id="54" name="文本框 53"/>
+          <p:cNvSpPr txBox="1"/>
+          <p:nvPr/>
+        </p:nvSpPr>
+        <p:spPr>
+          <a:xfrm>
+            <a:off x="9127489" y="6005542"/>
+            <a:ext cx="1471878" cy="369332"/>
+          </a:xfrm>
+          <a:prstGeom prst="rect">
+            <a:avLst/>
+          </a:prstGeom>
+          <a:noFill/>
+        </p:spPr>
+        <p:txBody>
+          <a:bodyPr wrap="none" rtlCol="0">
+            <a:spAutoFit/>
+          </a:bodyPr>
+          <a:lstStyle/>
+          <a:p>
+            <a:r>
+              <a:rPr kumimoji="1" lang="en-US" altLang="zh-CN" dirty="0" smtClean="0"/>
+              <a:t>backgrounds</a:t>
+            </a:r>
           </a:p>
         </p:txBody>
       </p:sp>
